--- a/ppt 16-9/1158.我家在天.pptx
+++ b/ppt 16-9/1158.我家在天.pptx
@@ -5,7 +5,7 @@
     <p:sldMasterId id="2147483648" r:id="rId1"/>
   </p:sldMasterIdLst>
   <p:sldIdLst>
-    <p:sldId id="656" r:id="rId2"/>
+    <p:sldId id="657" r:id="rId2"/>
   </p:sldIdLst>
   <p:sldSz cx="12192000" cy="6858000"/>
   <p:notesSz cx="6858000" cy="9144000"/>
@@ -129,7 +129,7 @@
           <p:cNvPr id="2" name="标题 1">
             <a:extLst>
               <a:ext uri="{FF2B5EF4-FFF2-40B4-BE49-F238E27FC236}">
-                <a16:creationId xmlns:a16="http://schemas.microsoft.com/office/drawing/2014/main" id="{8847E9C6-F3A4-D6A7-210A-787A558A88F3}"/>
+                <a16:creationId xmlns:a16="http://schemas.microsoft.com/office/drawing/2014/main" id="{05B51C8F-CC29-7C41-2BEE-B76956A24F53}"/>
               </a:ext>
             </a:extLst>
           </p:cNvPr>
@@ -166,7 +166,7 @@
           <p:cNvPr id="3" name="副标题 2">
             <a:extLst>
               <a:ext uri="{FF2B5EF4-FFF2-40B4-BE49-F238E27FC236}">
-                <a16:creationId xmlns:a16="http://schemas.microsoft.com/office/drawing/2014/main" id="{AA57DDFC-50CE-0F58-75D8-900A5EEA4268}"/>
+                <a16:creationId xmlns:a16="http://schemas.microsoft.com/office/drawing/2014/main" id="{A81DED43-B0AB-2174-C2B4-57DF0E3113AB}"/>
               </a:ext>
             </a:extLst>
           </p:cNvPr>
@@ -236,7 +236,7 @@
           <p:cNvPr id="4" name="日期占位符 3">
             <a:extLst>
               <a:ext uri="{FF2B5EF4-FFF2-40B4-BE49-F238E27FC236}">
-                <a16:creationId xmlns:a16="http://schemas.microsoft.com/office/drawing/2014/main" id="{A4A67F7B-5A1A-553B-0086-4FDA74C35D2F}"/>
+                <a16:creationId xmlns:a16="http://schemas.microsoft.com/office/drawing/2014/main" id="{845F48B8-81C1-7C8A-E93F-96B503C36BF7}"/>
               </a:ext>
             </a:extLst>
           </p:cNvPr>
@@ -252,7 +252,7 @@
           <a:bodyPr/>
           <a:lstStyle/>
           <a:p>
-            <a:fld id="{1161CC8C-425C-4AC4-BB93-504A703B76B4}" type="datetimeFigureOut">
+            <a:fld id="{2F4C3696-5075-49E4-9ED5-EDE5165D0D06}" type="datetimeFigureOut">
               <a:rPr lang="zh-CN" altLang="en-US" smtClean="0"/>
               <a:t>2024/3/10</a:t>
             </a:fld>
@@ -265,7 +265,7 @@
           <p:cNvPr id="5" name="页脚占位符 4">
             <a:extLst>
               <a:ext uri="{FF2B5EF4-FFF2-40B4-BE49-F238E27FC236}">
-                <a16:creationId xmlns:a16="http://schemas.microsoft.com/office/drawing/2014/main" id="{4B4405DB-0D26-8B5C-AD07-9F455880CD01}"/>
+                <a16:creationId xmlns:a16="http://schemas.microsoft.com/office/drawing/2014/main" id="{016F8D00-3A94-67D1-785D-E6CAEE499B51}"/>
               </a:ext>
             </a:extLst>
           </p:cNvPr>
@@ -290,7 +290,7 @@
           <p:cNvPr id="6" name="灯片编号占位符 5">
             <a:extLst>
               <a:ext uri="{FF2B5EF4-FFF2-40B4-BE49-F238E27FC236}">
-                <a16:creationId xmlns:a16="http://schemas.microsoft.com/office/drawing/2014/main" id="{80906C4A-2F65-AE81-22D7-2634EDFFB78F}"/>
+                <a16:creationId xmlns:a16="http://schemas.microsoft.com/office/drawing/2014/main" id="{A0EDF56F-2490-4B8C-5874-A1F22B6269DA}"/>
               </a:ext>
             </a:extLst>
           </p:cNvPr>
@@ -306,7 +306,7 @@
           <a:bodyPr/>
           <a:lstStyle/>
           <a:p>
-            <a:fld id="{7C854C95-99C6-4422-A834-FE378DBB92A4}" type="slidenum">
+            <a:fld id="{8568CD4A-59E1-4CD6-8748-193C55A314BB}" type="slidenum">
               <a:rPr lang="zh-CN" altLang="en-US" smtClean="0"/>
               <a:t>‹#›</a:t>
             </a:fld>
@@ -317,7 +317,7 @@
     </p:spTree>
     <p:extLst>
       <p:ext uri="{BB962C8B-B14F-4D97-AF65-F5344CB8AC3E}">
-        <p14:creationId xmlns:p14="http://schemas.microsoft.com/office/powerpoint/2010/main" val="1801918955"/>
+        <p14:creationId xmlns:p14="http://schemas.microsoft.com/office/powerpoint/2010/main" val="2574188115"/>
       </p:ext>
     </p:extLst>
   </p:cSld>
@@ -349,7 +349,7 @@
           <p:cNvPr id="2" name="标题 1">
             <a:extLst>
               <a:ext uri="{FF2B5EF4-FFF2-40B4-BE49-F238E27FC236}">
-                <a16:creationId xmlns:a16="http://schemas.microsoft.com/office/drawing/2014/main" id="{5B991455-3E73-7BCF-6535-FFB7D864A70F}"/>
+                <a16:creationId xmlns:a16="http://schemas.microsoft.com/office/drawing/2014/main" id="{3CB13323-A504-AD44-5639-BCD9AF17FB03}"/>
               </a:ext>
             </a:extLst>
           </p:cNvPr>
@@ -377,7 +377,7 @@
           <p:cNvPr id="3" name="竖排文字占位符 2">
             <a:extLst>
               <a:ext uri="{FF2B5EF4-FFF2-40B4-BE49-F238E27FC236}">
-                <a16:creationId xmlns:a16="http://schemas.microsoft.com/office/drawing/2014/main" id="{B0B60245-1ABA-B4CA-96C4-691A3DFC09F5}"/>
+                <a16:creationId xmlns:a16="http://schemas.microsoft.com/office/drawing/2014/main" id="{ABA9C59C-9865-A658-5FE2-9164FBE2CA95}"/>
               </a:ext>
             </a:extLst>
           </p:cNvPr>
@@ -434,7 +434,7 @@
           <p:cNvPr id="4" name="日期占位符 3">
             <a:extLst>
               <a:ext uri="{FF2B5EF4-FFF2-40B4-BE49-F238E27FC236}">
-                <a16:creationId xmlns:a16="http://schemas.microsoft.com/office/drawing/2014/main" id="{264AA2B3-5B1B-888E-9581-22A10F2DC374}"/>
+                <a16:creationId xmlns:a16="http://schemas.microsoft.com/office/drawing/2014/main" id="{F3DB2216-36CC-A1B6-1F37-3DECE7D0517F}"/>
               </a:ext>
             </a:extLst>
           </p:cNvPr>
@@ -450,7 +450,7 @@
           <a:bodyPr/>
           <a:lstStyle/>
           <a:p>
-            <a:fld id="{1161CC8C-425C-4AC4-BB93-504A703B76B4}" type="datetimeFigureOut">
+            <a:fld id="{2F4C3696-5075-49E4-9ED5-EDE5165D0D06}" type="datetimeFigureOut">
               <a:rPr lang="zh-CN" altLang="en-US" smtClean="0"/>
               <a:t>2024/3/10</a:t>
             </a:fld>
@@ -463,7 +463,7 @@
           <p:cNvPr id="5" name="页脚占位符 4">
             <a:extLst>
               <a:ext uri="{FF2B5EF4-FFF2-40B4-BE49-F238E27FC236}">
-                <a16:creationId xmlns:a16="http://schemas.microsoft.com/office/drawing/2014/main" id="{432A03A2-292C-B677-AC94-6D8E0B63C99C}"/>
+                <a16:creationId xmlns:a16="http://schemas.microsoft.com/office/drawing/2014/main" id="{D466C7E7-31A4-5B78-3C62-B2206E7BA5CD}"/>
               </a:ext>
             </a:extLst>
           </p:cNvPr>
@@ -488,7 +488,7 @@
           <p:cNvPr id="6" name="灯片编号占位符 5">
             <a:extLst>
               <a:ext uri="{FF2B5EF4-FFF2-40B4-BE49-F238E27FC236}">
-                <a16:creationId xmlns:a16="http://schemas.microsoft.com/office/drawing/2014/main" id="{38EFA397-0483-470A-6F8C-FE62C52E5CDF}"/>
+                <a16:creationId xmlns:a16="http://schemas.microsoft.com/office/drawing/2014/main" id="{6D5C7508-1647-759E-5489-D276A6F522F6}"/>
               </a:ext>
             </a:extLst>
           </p:cNvPr>
@@ -504,7 +504,7 @@
           <a:bodyPr/>
           <a:lstStyle/>
           <a:p>
-            <a:fld id="{7C854C95-99C6-4422-A834-FE378DBB92A4}" type="slidenum">
+            <a:fld id="{8568CD4A-59E1-4CD6-8748-193C55A314BB}" type="slidenum">
               <a:rPr lang="zh-CN" altLang="en-US" smtClean="0"/>
               <a:t>‹#›</a:t>
             </a:fld>
@@ -515,7 +515,7 @@
     </p:spTree>
     <p:extLst>
       <p:ext uri="{BB962C8B-B14F-4D97-AF65-F5344CB8AC3E}">
-        <p14:creationId xmlns:p14="http://schemas.microsoft.com/office/powerpoint/2010/main" val="28413640"/>
+        <p14:creationId xmlns:p14="http://schemas.microsoft.com/office/powerpoint/2010/main" val="3232700670"/>
       </p:ext>
     </p:extLst>
   </p:cSld>
@@ -547,7 +547,7 @@
           <p:cNvPr id="2" name="竖排标题 1">
             <a:extLst>
               <a:ext uri="{FF2B5EF4-FFF2-40B4-BE49-F238E27FC236}">
-                <a16:creationId xmlns:a16="http://schemas.microsoft.com/office/drawing/2014/main" id="{F5E8F8A0-2515-82E6-D302-52E06B81370E}"/>
+                <a16:creationId xmlns:a16="http://schemas.microsoft.com/office/drawing/2014/main" id="{648E6D18-18A3-7F27-1159-BBD6DF662A80}"/>
               </a:ext>
             </a:extLst>
           </p:cNvPr>
@@ -580,7 +580,7 @@
           <p:cNvPr id="3" name="竖排文字占位符 2">
             <a:extLst>
               <a:ext uri="{FF2B5EF4-FFF2-40B4-BE49-F238E27FC236}">
-                <a16:creationId xmlns:a16="http://schemas.microsoft.com/office/drawing/2014/main" id="{7C42ACB8-F591-577F-5271-44E0E4B03C94}"/>
+                <a16:creationId xmlns:a16="http://schemas.microsoft.com/office/drawing/2014/main" id="{941FFE7B-5661-1EC2-928A-B31D08F4DC5B}"/>
               </a:ext>
             </a:extLst>
           </p:cNvPr>
@@ -642,7 +642,7 @@
           <p:cNvPr id="4" name="日期占位符 3">
             <a:extLst>
               <a:ext uri="{FF2B5EF4-FFF2-40B4-BE49-F238E27FC236}">
-                <a16:creationId xmlns:a16="http://schemas.microsoft.com/office/drawing/2014/main" id="{9DE96E15-978C-16B0-AF06-52E33C8E1A67}"/>
+                <a16:creationId xmlns:a16="http://schemas.microsoft.com/office/drawing/2014/main" id="{5EE4E3F0-AC3D-F360-7F77-727BA90D8716}"/>
               </a:ext>
             </a:extLst>
           </p:cNvPr>
@@ -658,7 +658,7 @@
           <a:bodyPr/>
           <a:lstStyle/>
           <a:p>
-            <a:fld id="{1161CC8C-425C-4AC4-BB93-504A703B76B4}" type="datetimeFigureOut">
+            <a:fld id="{2F4C3696-5075-49E4-9ED5-EDE5165D0D06}" type="datetimeFigureOut">
               <a:rPr lang="zh-CN" altLang="en-US" smtClean="0"/>
               <a:t>2024/3/10</a:t>
             </a:fld>
@@ -671,7 +671,7 @@
           <p:cNvPr id="5" name="页脚占位符 4">
             <a:extLst>
               <a:ext uri="{FF2B5EF4-FFF2-40B4-BE49-F238E27FC236}">
-                <a16:creationId xmlns:a16="http://schemas.microsoft.com/office/drawing/2014/main" id="{95B6928A-D147-6B91-0755-E060637F2F1B}"/>
+                <a16:creationId xmlns:a16="http://schemas.microsoft.com/office/drawing/2014/main" id="{C666584D-8584-3889-F6C1-13F446E84316}"/>
               </a:ext>
             </a:extLst>
           </p:cNvPr>
@@ -696,7 +696,7 @@
           <p:cNvPr id="6" name="灯片编号占位符 5">
             <a:extLst>
               <a:ext uri="{FF2B5EF4-FFF2-40B4-BE49-F238E27FC236}">
-                <a16:creationId xmlns:a16="http://schemas.microsoft.com/office/drawing/2014/main" id="{71EC1C6E-8F8D-30FC-8858-DC24D08DED45}"/>
+                <a16:creationId xmlns:a16="http://schemas.microsoft.com/office/drawing/2014/main" id="{4AE4BE99-77C8-0866-0FFF-420DAD8EDB70}"/>
               </a:ext>
             </a:extLst>
           </p:cNvPr>
@@ -712,7 +712,7 @@
           <a:bodyPr/>
           <a:lstStyle/>
           <a:p>
-            <a:fld id="{7C854C95-99C6-4422-A834-FE378DBB92A4}" type="slidenum">
+            <a:fld id="{8568CD4A-59E1-4CD6-8748-193C55A314BB}" type="slidenum">
               <a:rPr lang="zh-CN" altLang="en-US" smtClean="0"/>
               <a:t>‹#›</a:t>
             </a:fld>
@@ -723,7 +723,7 @@
     </p:spTree>
     <p:extLst>
       <p:ext uri="{BB962C8B-B14F-4D97-AF65-F5344CB8AC3E}">
-        <p14:creationId xmlns:p14="http://schemas.microsoft.com/office/powerpoint/2010/main" val="4008254854"/>
+        <p14:creationId xmlns:p14="http://schemas.microsoft.com/office/powerpoint/2010/main" val="1497171529"/>
       </p:ext>
     </p:extLst>
   </p:cSld>
@@ -755,7 +755,7 @@
           <p:cNvPr id="2" name="标题 1">
             <a:extLst>
               <a:ext uri="{FF2B5EF4-FFF2-40B4-BE49-F238E27FC236}">
-                <a16:creationId xmlns:a16="http://schemas.microsoft.com/office/drawing/2014/main" id="{289DC78E-5E0C-4C3A-8ABF-F30521B6416B}"/>
+                <a16:creationId xmlns:a16="http://schemas.microsoft.com/office/drawing/2014/main" id="{FF924012-FC65-5741-8209-51F50F2ED788}"/>
               </a:ext>
             </a:extLst>
           </p:cNvPr>
@@ -783,7 +783,7 @@
           <p:cNvPr id="3" name="内容占位符 2">
             <a:extLst>
               <a:ext uri="{FF2B5EF4-FFF2-40B4-BE49-F238E27FC236}">
-                <a16:creationId xmlns:a16="http://schemas.microsoft.com/office/drawing/2014/main" id="{0223E47B-BC05-6D2D-1F55-D21993EF8CBD}"/>
+                <a16:creationId xmlns:a16="http://schemas.microsoft.com/office/drawing/2014/main" id="{4CCB0151-4D01-9E0E-1020-DCCD71707E02}"/>
               </a:ext>
             </a:extLst>
           </p:cNvPr>
@@ -840,7 +840,7 @@
           <p:cNvPr id="4" name="日期占位符 3">
             <a:extLst>
               <a:ext uri="{FF2B5EF4-FFF2-40B4-BE49-F238E27FC236}">
-                <a16:creationId xmlns:a16="http://schemas.microsoft.com/office/drawing/2014/main" id="{35172276-0F22-E621-87E4-0F31FDB4E175}"/>
+                <a16:creationId xmlns:a16="http://schemas.microsoft.com/office/drawing/2014/main" id="{A2937ED9-273F-250A-6098-486D1C3DDE80}"/>
               </a:ext>
             </a:extLst>
           </p:cNvPr>
@@ -856,7 +856,7 @@
           <a:bodyPr/>
           <a:lstStyle/>
           <a:p>
-            <a:fld id="{1161CC8C-425C-4AC4-BB93-504A703B76B4}" type="datetimeFigureOut">
+            <a:fld id="{2F4C3696-5075-49E4-9ED5-EDE5165D0D06}" type="datetimeFigureOut">
               <a:rPr lang="zh-CN" altLang="en-US" smtClean="0"/>
               <a:t>2024/3/10</a:t>
             </a:fld>
@@ -869,7 +869,7 @@
           <p:cNvPr id="5" name="页脚占位符 4">
             <a:extLst>
               <a:ext uri="{FF2B5EF4-FFF2-40B4-BE49-F238E27FC236}">
-                <a16:creationId xmlns:a16="http://schemas.microsoft.com/office/drawing/2014/main" id="{C33D247B-A487-1130-5AD9-EB7E50818961}"/>
+                <a16:creationId xmlns:a16="http://schemas.microsoft.com/office/drawing/2014/main" id="{94164A10-55DB-589B-5F30-63AC327ACF43}"/>
               </a:ext>
             </a:extLst>
           </p:cNvPr>
@@ -894,7 +894,7 @@
           <p:cNvPr id="6" name="灯片编号占位符 5">
             <a:extLst>
               <a:ext uri="{FF2B5EF4-FFF2-40B4-BE49-F238E27FC236}">
-                <a16:creationId xmlns:a16="http://schemas.microsoft.com/office/drawing/2014/main" id="{D19952F6-74E5-AC16-C54E-406CA3992CE3}"/>
+                <a16:creationId xmlns:a16="http://schemas.microsoft.com/office/drawing/2014/main" id="{06C0467B-C66B-80B2-A927-1446F9083C3F}"/>
               </a:ext>
             </a:extLst>
           </p:cNvPr>
@@ -910,7 +910,7 @@
           <a:bodyPr/>
           <a:lstStyle/>
           <a:p>
-            <a:fld id="{7C854C95-99C6-4422-A834-FE378DBB92A4}" type="slidenum">
+            <a:fld id="{8568CD4A-59E1-4CD6-8748-193C55A314BB}" type="slidenum">
               <a:rPr lang="zh-CN" altLang="en-US" smtClean="0"/>
               <a:t>‹#›</a:t>
             </a:fld>
@@ -921,7 +921,7 @@
     </p:spTree>
     <p:extLst>
       <p:ext uri="{BB962C8B-B14F-4D97-AF65-F5344CB8AC3E}">
-        <p14:creationId xmlns:p14="http://schemas.microsoft.com/office/powerpoint/2010/main" val="1307495746"/>
+        <p14:creationId xmlns:p14="http://schemas.microsoft.com/office/powerpoint/2010/main" val="3218789327"/>
       </p:ext>
     </p:extLst>
   </p:cSld>
@@ -953,7 +953,7 @@
           <p:cNvPr id="2" name="标题 1">
             <a:extLst>
               <a:ext uri="{FF2B5EF4-FFF2-40B4-BE49-F238E27FC236}">
-                <a16:creationId xmlns:a16="http://schemas.microsoft.com/office/drawing/2014/main" id="{10DEA3FE-0C39-6D54-32DC-5A903D9BE146}"/>
+                <a16:creationId xmlns:a16="http://schemas.microsoft.com/office/drawing/2014/main" id="{722ADFC1-90DA-EA2A-A518-A10C257886C7}"/>
               </a:ext>
             </a:extLst>
           </p:cNvPr>
@@ -990,7 +990,7 @@
           <p:cNvPr id="3" name="文本占位符 2">
             <a:extLst>
               <a:ext uri="{FF2B5EF4-FFF2-40B4-BE49-F238E27FC236}">
-                <a16:creationId xmlns:a16="http://schemas.microsoft.com/office/drawing/2014/main" id="{9785A906-6662-96F8-0041-CC55F6C2D2CB}"/>
+                <a16:creationId xmlns:a16="http://schemas.microsoft.com/office/drawing/2014/main" id="{69278EE5-1F2F-9045-BDFA-FDD526EB7140}"/>
               </a:ext>
             </a:extLst>
           </p:cNvPr>
@@ -1115,7 +1115,7 @@
           <p:cNvPr id="4" name="日期占位符 3">
             <a:extLst>
               <a:ext uri="{FF2B5EF4-FFF2-40B4-BE49-F238E27FC236}">
-                <a16:creationId xmlns:a16="http://schemas.microsoft.com/office/drawing/2014/main" id="{0AB1D6C6-1FE1-DA57-6A70-1C04A6E06DAF}"/>
+                <a16:creationId xmlns:a16="http://schemas.microsoft.com/office/drawing/2014/main" id="{867EA852-5587-F654-4EA9-CD1491BE931A}"/>
               </a:ext>
             </a:extLst>
           </p:cNvPr>
@@ -1131,7 +1131,7 @@
           <a:bodyPr/>
           <a:lstStyle/>
           <a:p>
-            <a:fld id="{1161CC8C-425C-4AC4-BB93-504A703B76B4}" type="datetimeFigureOut">
+            <a:fld id="{2F4C3696-5075-49E4-9ED5-EDE5165D0D06}" type="datetimeFigureOut">
               <a:rPr lang="zh-CN" altLang="en-US" smtClean="0"/>
               <a:t>2024/3/10</a:t>
             </a:fld>
@@ -1144,7 +1144,7 @@
           <p:cNvPr id="5" name="页脚占位符 4">
             <a:extLst>
               <a:ext uri="{FF2B5EF4-FFF2-40B4-BE49-F238E27FC236}">
-                <a16:creationId xmlns:a16="http://schemas.microsoft.com/office/drawing/2014/main" id="{BF6ECF8F-C61C-D20C-7BFA-CBC5C617846E}"/>
+                <a16:creationId xmlns:a16="http://schemas.microsoft.com/office/drawing/2014/main" id="{E8BC7159-DBBA-AC33-C270-47ED2F013EA7}"/>
               </a:ext>
             </a:extLst>
           </p:cNvPr>
@@ -1169,7 +1169,7 @@
           <p:cNvPr id="6" name="灯片编号占位符 5">
             <a:extLst>
               <a:ext uri="{FF2B5EF4-FFF2-40B4-BE49-F238E27FC236}">
-                <a16:creationId xmlns:a16="http://schemas.microsoft.com/office/drawing/2014/main" id="{ACB0A789-4474-E1F7-7C12-EFF35D4246FD}"/>
+                <a16:creationId xmlns:a16="http://schemas.microsoft.com/office/drawing/2014/main" id="{0EB25DB6-6CBE-C742-E275-C7DD0E5B9075}"/>
               </a:ext>
             </a:extLst>
           </p:cNvPr>
@@ -1185,7 +1185,7 @@
           <a:bodyPr/>
           <a:lstStyle/>
           <a:p>
-            <a:fld id="{7C854C95-99C6-4422-A834-FE378DBB92A4}" type="slidenum">
+            <a:fld id="{8568CD4A-59E1-4CD6-8748-193C55A314BB}" type="slidenum">
               <a:rPr lang="zh-CN" altLang="en-US" smtClean="0"/>
               <a:t>‹#›</a:t>
             </a:fld>
@@ -1196,7 +1196,7 @@
     </p:spTree>
     <p:extLst>
       <p:ext uri="{BB962C8B-B14F-4D97-AF65-F5344CB8AC3E}">
-        <p14:creationId xmlns:p14="http://schemas.microsoft.com/office/powerpoint/2010/main" val="3618549915"/>
+        <p14:creationId xmlns:p14="http://schemas.microsoft.com/office/powerpoint/2010/main" val="2431745204"/>
       </p:ext>
     </p:extLst>
   </p:cSld>
@@ -1228,7 +1228,7 @@
           <p:cNvPr id="2" name="标题 1">
             <a:extLst>
               <a:ext uri="{FF2B5EF4-FFF2-40B4-BE49-F238E27FC236}">
-                <a16:creationId xmlns:a16="http://schemas.microsoft.com/office/drawing/2014/main" id="{8CF6BAE2-4228-47B8-2EEE-E9D87C32AED4}"/>
+                <a16:creationId xmlns:a16="http://schemas.microsoft.com/office/drawing/2014/main" id="{E959E3B2-F54C-1D29-4825-52E202BFCF02}"/>
               </a:ext>
             </a:extLst>
           </p:cNvPr>
@@ -1256,7 +1256,7 @@
           <p:cNvPr id="3" name="内容占位符 2">
             <a:extLst>
               <a:ext uri="{FF2B5EF4-FFF2-40B4-BE49-F238E27FC236}">
-                <a16:creationId xmlns:a16="http://schemas.microsoft.com/office/drawing/2014/main" id="{70F924AC-15B2-719B-955E-DE4CCCE62364}"/>
+                <a16:creationId xmlns:a16="http://schemas.microsoft.com/office/drawing/2014/main" id="{2DA9C298-B442-A82E-CFB7-06EF04523E09}"/>
               </a:ext>
             </a:extLst>
           </p:cNvPr>
@@ -1318,7 +1318,7 @@
           <p:cNvPr id="4" name="内容占位符 3">
             <a:extLst>
               <a:ext uri="{FF2B5EF4-FFF2-40B4-BE49-F238E27FC236}">
-                <a16:creationId xmlns:a16="http://schemas.microsoft.com/office/drawing/2014/main" id="{CC996645-8742-5517-D6CE-2EF491DE9886}"/>
+                <a16:creationId xmlns:a16="http://schemas.microsoft.com/office/drawing/2014/main" id="{DDD634F4-147F-17F4-D73D-C8169FB93C78}"/>
               </a:ext>
             </a:extLst>
           </p:cNvPr>
@@ -1380,7 +1380,7 @@
           <p:cNvPr id="5" name="日期占位符 4">
             <a:extLst>
               <a:ext uri="{FF2B5EF4-FFF2-40B4-BE49-F238E27FC236}">
-                <a16:creationId xmlns:a16="http://schemas.microsoft.com/office/drawing/2014/main" id="{FB04A428-6B59-0A96-338D-13D4CE7AFBCB}"/>
+                <a16:creationId xmlns:a16="http://schemas.microsoft.com/office/drawing/2014/main" id="{CB9B6A13-1893-D3FE-A8C7-BF5C6652F031}"/>
               </a:ext>
             </a:extLst>
           </p:cNvPr>
@@ -1396,7 +1396,7 @@
           <a:bodyPr/>
           <a:lstStyle/>
           <a:p>
-            <a:fld id="{1161CC8C-425C-4AC4-BB93-504A703B76B4}" type="datetimeFigureOut">
+            <a:fld id="{2F4C3696-5075-49E4-9ED5-EDE5165D0D06}" type="datetimeFigureOut">
               <a:rPr lang="zh-CN" altLang="en-US" smtClean="0"/>
               <a:t>2024/3/10</a:t>
             </a:fld>
@@ -1409,7 +1409,7 @@
           <p:cNvPr id="6" name="页脚占位符 5">
             <a:extLst>
               <a:ext uri="{FF2B5EF4-FFF2-40B4-BE49-F238E27FC236}">
-                <a16:creationId xmlns:a16="http://schemas.microsoft.com/office/drawing/2014/main" id="{648B1D03-9AC1-3229-02A2-D8E013D9680B}"/>
+                <a16:creationId xmlns:a16="http://schemas.microsoft.com/office/drawing/2014/main" id="{6A658D1D-9876-7087-824E-F30BA2127815}"/>
               </a:ext>
             </a:extLst>
           </p:cNvPr>
@@ -1434,7 +1434,7 @@
           <p:cNvPr id="7" name="灯片编号占位符 6">
             <a:extLst>
               <a:ext uri="{FF2B5EF4-FFF2-40B4-BE49-F238E27FC236}">
-                <a16:creationId xmlns:a16="http://schemas.microsoft.com/office/drawing/2014/main" id="{2262FBCC-2134-D68A-E2D0-B8DF6443CDEB}"/>
+                <a16:creationId xmlns:a16="http://schemas.microsoft.com/office/drawing/2014/main" id="{A9310C7F-1011-2506-9BBC-7621E76DEB45}"/>
               </a:ext>
             </a:extLst>
           </p:cNvPr>
@@ -1450,7 +1450,7 @@
           <a:bodyPr/>
           <a:lstStyle/>
           <a:p>
-            <a:fld id="{7C854C95-99C6-4422-A834-FE378DBB92A4}" type="slidenum">
+            <a:fld id="{8568CD4A-59E1-4CD6-8748-193C55A314BB}" type="slidenum">
               <a:rPr lang="zh-CN" altLang="en-US" smtClean="0"/>
               <a:t>‹#›</a:t>
             </a:fld>
@@ -1461,7 +1461,7 @@
     </p:spTree>
     <p:extLst>
       <p:ext uri="{BB962C8B-B14F-4D97-AF65-F5344CB8AC3E}">
-        <p14:creationId xmlns:p14="http://schemas.microsoft.com/office/powerpoint/2010/main" val="4028407118"/>
+        <p14:creationId xmlns:p14="http://schemas.microsoft.com/office/powerpoint/2010/main" val="1540612931"/>
       </p:ext>
     </p:extLst>
   </p:cSld>
@@ -1493,7 +1493,7 @@
           <p:cNvPr id="2" name="标题 1">
             <a:extLst>
               <a:ext uri="{FF2B5EF4-FFF2-40B4-BE49-F238E27FC236}">
-                <a16:creationId xmlns:a16="http://schemas.microsoft.com/office/drawing/2014/main" id="{26A2FF2E-F39A-9210-7CB4-3788265F1E6F}"/>
+                <a16:creationId xmlns:a16="http://schemas.microsoft.com/office/drawing/2014/main" id="{D990D467-7504-F9D0-BBFB-4667410FB035}"/>
               </a:ext>
             </a:extLst>
           </p:cNvPr>
@@ -1526,7 +1526,7 @@
           <p:cNvPr id="3" name="文本占位符 2">
             <a:extLst>
               <a:ext uri="{FF2B5EF4-FFF2-40B4-BE49-F238E27FC236}">
-                <a16:creationId xmlns:a16="http://schemas.microsoft.com/office/drawing/2014/main" id="{BE543E23-8934-9E64-A7B4-4C6FED1DAA63}"/>
+                <a16:creationId xmlns:a16="http://schemas.microsoft.com/office/drawing/2014/main" id="{E1F36611-EFE4-321D-13F6-FB67872BFDAD}"/>
               </a:ext>
             </a:extLst>
           </p:cNvPr>
@@ -1597,7 +1597,7 @@
           <p:cNvPr id="4" name="内容占位符 3">
             <a:extLst>
               <a:ext uri="{FF2B5EF4-FFF2-40B4-BE49-F238E27FC236}">
-                <a16:creationId xmlns:a16="http://schemas.microsoft.com/office/drawing/2014/main" id="{978C4050-51D5-8168-3CA9-35DEDEB81ABA}"/>
+                <a16:creationId xmlns:a16="http://schemas.microsoft.com/office/drawing/2014/main" id="{117E6711-78D5-211F-68CA-52F398C3AB3F}"/>
               </a:ext>
             </a:extLst>
           </p:cNvPr>
@@ -1659,7 +1659,7 @@
           <p:cNvPr id="5" name="文本占位符 4">
             <a:extLst>
               <a:ext uri="{FF2B5EF4-FFF2-40B4-BE49-F238E27FC236}">
-                <a16:creationId xmlns:a16="http://schemas.microsoft.com/office/drawing/2014/main" id="{9AA46188-6255-4A78-CEF5-16D6851B181C}"/>
+                <a16:creationId xmlns:a16="http://schemas.microsoft.com/office/drawing/2014/main" id="{2342747D-25BB-7D5F-7C20-00186D126C23}"/>
               </a:ext>
             </a:extLst>
           </p:cNvPr>
@@ -1730,7 +1730,7 @@
           <p:cNvPr id="6" name="内容占位符 5">
             <a:extLst>
               <a:ext uri="{FF2B5EF4-FFF2-40B4-BE49-F238E27FC236}">
-                <a16:creationId xmlns:a16="http://schemas.microsoft.com/office/drawing/2014/main" id="{C43D08F3-8BAF-8AE8-3B24-40A3DA198A10}"/>
+                <a16:creationId xmlns:a16="http://schemas.microsoft.com/office/drawing/2014/main" id="{D295AA02-D313-A89C-047B-D161EDA16961}"/>
               </a:ext>
             </a:extLst>
           </p:cNvPr>
@@ -1792,7 +1792,7 @@
           <p:cNvPr id="7" name="日期占位符 6">
             <a:extLst>
               <a:ext uri="{FF2B5EF4-FFF2-40B4-BE49-F238E27FC236}">
-                <a16:creationId xmlns:a16="http://schemas.microsoft.com/office/drawing/2014/main" id="{156A2C1E-8605-6481-FA8F-7E9957A2941A}"/>
+                <a16:creationId xmlns:a16="http://schemas.microsoft.com/office/drawing/2014/main" id="{BDF9F915-5FCA-5AAD-BBB1-40D0EA9898F2}"/>
               </a:ext>
             </a:extLst>
           </p:cNvPr>
@@ -1808,7 +1808,7 @@
           <a:bodyPr/>
           <a:lstStyle/>
           <a:p>
-            <a:fld id="{1161CC8C-425C-4AC4-BB93-504A703B76B4}" type="datetimeFigureOut">
+            <a:fld id="{2F4C3696-5075-49E4-9ED5-EDE5165D0D06}" type="datetimeFigureOut">
               <a:rPr lang="zh-CN" altLang="en-US" smtClean="0"/>
               <a:t>2024/3/10</a:t>
             </a:fld>
@@ -1821,7 +1821,7 @@
           <p:cNvPr id="8" name="页脚占位符 7">
             <a:extLst>
               <a:ext uri="{FF2B5EF4-FFF2-40B4-BE49-F238E27FC236}">
-                <a16:creationId xmlns:a16="http://schemas.microsoft.com/office/drawing/2014/main" id="{0E8A39C9-1779-28BC-4F0A-1B4CBE629874}"/>
+                <a16:creationId xmlns:a16="http://schemas.microsoft.com/office/drawing/2014/main" id="{3CF4DBB1-EC8A-DF03-9475-01502A092861}"/>
               </a:ext>
             </a:extLst>
           </p:cNvPr>
@@ -1846,7 +1846,7 @@
           <p:cNvPr id="9" name="灯片编号占位符 8">
             <a:extLst>
               <a:ext uri="{FF2B5EF4-FFF2-40B4-BE49-F238E27FC236}">
-                <a16:creationId xmlns:a16="http://schemas.microsoft.com/office/drawing/2014/main" id="{C1C41498-3604-CDCF-60FE-5138B2BFEF9B}"/>
+                <a16:creationId xmlns:a16="http://schemas.microsoft.com/office/drawing/2014/main" id="{726356FE-29A7-38C6-A79B-5CF47B7B604D}"/>
               </a:ext>
             </a:extLst>
           </p:cNvPr>
@@ -1862,7 +1862,7 @@
           <a:bodyPr/>
           <a:lstStyle/>
           <a:p>
-            <a:fld id="{7C854C95-99C6-4422-A834-FE378DBB92A4}" type="slidenum">
+            <a:fld id="{8568CD4A-59E1-4CD6-8748-193C55A314BB}" type="slidenum">
               <a:rPr lang="zh-CN" altLang="en-US" smtClean="0"/>
               <a:t>‹#›</a:t>
             </a:fld>
@@ -1873,7 +1873,7 @@
     </p:spTree>
     <p:extLst>
       <p:ext uri="{BB962C8B-B14F-4D97-AF65-F5344CB8AC3E}">
-        <p14:creationId xmlns:p14="http://schemas.microsoft.com/office/powerpoint/2010/main" val="3784864142"/>
+        <p14:creationId xmlns:p14="http://schemas.microsoft.com/office/powerpoint/2010/main" val="3918560849"/>
       </p:ext>
     </p:extLst>
   </p:cSld>
@@ -1905,7 +1905,7 @@
           <p:cNvPr id="2" name="标题 1">
             <a:extLst>
               <a:ext uri="{FF2B5EF4-FFF2-40B4-BE49-F238E27FC236}">
-                <a16:creationId xmlns:a16="http://schemas.microsoft.com/office/drawing/2014/main" id="{D9BE0FB5-0C67-D7C5-7033-25960E43E814}"/>
+                <a16:creationId xmlns:a16="http://schemas.microsoft.com/office/drawing/2014/main" id="{C2D2F5B9-C41A-D2F7-C052-1B2D29E78073}"/>
               </a:ext>
             </a:extLst>
           </p:cNvPr>
@@ -1933,7 +1933,7 @@
           <p:cNvPr id="3" name="日期占位符 2">
             <a:extLst>
               <a:ext uri="{FF2B5EF4-FFF2-40B4-BE49-F238E27FC236}">
-                <a16:creationId xmlns:a16="http://schemas.microsoft.com/office/drawing/2014/main" id="{E5E09517-6866-A6D7-7288-230972CA366C}"/>
+                <a16:creationId xmlns:a16="http://schemas.microsoft.com/office/drawing/2014/main" id="{45E9EEB5-2B28-A98A-11FD-9FF09196A499}"/>
               </a:ext>
             </a:extLst>
           </p:cNvPr>
@@ -1949,7 +1949,7 @@
           <a:bodyPr/>
           <a:lstStyle/>
           <a:p>
-            <a:fld id="{1161CC8C-425C-4AC4-BB93-504A703B76B4}" type="datetimeFigureOut">
+            <a:fld id="{2F4C3696-5075-49E4-9ED5-EDE5165D0D06}" type="datetimeFigureOut">
               <a:rPr lang="zh-CN" altLang="en-US" smtClean="0"/>
               <a:t>2024/3/10</a:t>
             </a:fld>
@@ -1962,7 +1962,7 @@
           <p:cNvPr id="4" name="页脚占位符 3">
             <a:extLst>
               <a:ext uri="{FF2B5EF4-FFF2-40B4-BE49-F238E27FC236}">
-                <a16:creationId xmlns:a16="http://schemas.microsoft.com/office/drawing/2014/main" id="{7E7732B4-D1AB-3D4A-BD82-573BA3FA19E3}"/>
+                <a16:creationId xmlns:a16="http://schemas.microsoft.com/office/drawing/2014/main" id="{5378D52F-2314-6CC9-8ACD-92CD8ED00F93}"/>
               </a:ext>
             </a:extLst>
           </p:cNvPr>
@@ -1987,7 +1987,7 @@
           <p:cNvPr id="5" name="灯片编号占位符 4">
             <a:extLst>
               <a:ext uri="{FF2B5EF4-FFF2-40B4-BE49-F238E27FC236}">
-                <a16:creationId xmlns:a16="http://schemas.microsoft.com/office/drawing/2014/main" id="{6B81F2A3-8C27-99BD-4787-0DC32515ED63}"/>
+                <a16:creationId xmlns:a16="http://schemas.microsoft.com/office/drawing/2014/main" id="{856A3C32-1B51-A9D8-E227-BDF79D99870B}"/>
               </a:ext>
             </a:extLst>
           </p:cNvPr>
@@ -2003,7 +2003,7 @@
           <a:bodyPr/>
           <a:lstStyle/>
           <a:p>
-            <a:fld id="{7C854C95-99C6-4422-A834-FE378DBB92A4}" type="slidenum">
+            <a:fld id="{8568CD4A-59E1-4CD6-8748-193C55A314BB}" type="slidenum">
               <a:rPr lang="zh-CN" altLang="en-US" smtClean="0"/>
               <a:t>‹#›</a:t>
             </a:fld>
@@ -2014,7 +2014,7 @@
     </p:spTree>
     <p:extLst>
       <p:ext uri="{BB962C8B-B14F-4D97-AF65-F5344CB8AC3E}">
-        <p14:creationId xmlns:p14="http://schemas.microsoft.com/office/powerpoint/2010/main" val="3290289351"/>
+        <p14:creationId xmlns:p14="http://schemas.microsoft.com/office/powerpoint/2010/main" val="2619378373"/>
       </p:ext>
     </p:extLst>
   </p:cSld>
@@ -2046,7 +2046,7 @@
           <p:cNvPr id="2" name="日期占位符 1">
             <a:extLst>
               <a:ext uri="{FF2B5EF4-FFF2-40B4-BE49-F238E27FC236}">
-                <a16:creationId xmlns:a16="http://schemas.microsoft.com/office/drawing/2014/main" id="{443B3D8F-50BB-9318-B1C7-E8A685BC9D4A}"/>
+                <a16:creationId xmlns:a16="http://schemas.microsoft.com/office/drawing/2014/main" id="{9819DE52-A40A-AE67-E582-869B0F4A3697}"/>
               </a:ext>
             </a:extLst>
           </p:cNvPr>
@@ -2062,7 +2062,7 @@
           <a:bodyPr/>
           <a:lstStyle/>
           <a:p>
-            <a:fld id="{1161CC8C-425C-4AC4-BB93-504A703B76B4}" type="datetimeFigureOut">
+            <a:fld id="{2F4C3696-5075-49E4-9ED5-EDE5165D0D06}" type="datetimeFigureOut">
               <a:rPr lang="zh-CN" altLang="en-US" smtClean="0"/>
               <a:t>2024/3/10</a:t>
             </a:fld>
@@ -2075,7 +2075,7 @@
           <p:cNvPr id="3" name="页脚占位符 2">
             <a:extLst>
               <a:ext uri="{FF2B5EF4-FFF2-40B4-BE49-F238E27FC236}">
-                <a16:creationId xmlns:a16="http://schemas.microsoft.com/office/drawing/2014/main" id="{B91E0604-B1BE-A912-A460-590F5B28E3F8}"/>
+                <a16:creationId xmlns:a16="http://schemas.microsoft.com/office/drawing/2014/main" id="{17F2B844-1291-9049-CAB1-5E35F1B85511}"/>
               </a:ext>
             </a:extLst>
           </p:cNvPr>
@@ -2100,7 +2100,7 @@
           <p:cNvPr id="4" name="灯片编号占位符 3">
             <a:extLst>
               <a:ext uri="{FF2B5EF4-FFF2-40B4-BE49-F238E27FC236}">
-                <a16:creationId xmlns:a16="http://schemas.microsoft.com/office/drawing/2014/main" id="{F7EC672B-4F1B-7C7E-89F6-61CEB421B474}"/>
+                <a16:creationId xmlns:a16="http://schemas.microsoft.com/office/drawing/2014/main" id="{16F3A3BD-7D3F-ACBC-822A-996BD94C6C26}"/>
               </a:ext>
             </a:extLst>
           </p:cNvPr>
@@ -2116,7 +2116,7 @@
           <a:bodyPr/>
           <a:lstStyle/>
           <a:p>
-            <a:fld id="{7C854C95-99C6-4422-A834-FE378DBB92A4}" type="slidenum">
+            <a:fld id="{8568CD4A-59E1-4CD6-8748-193C55A314BB}" type="slidenum">
               <a:rPr lang="zh-CN" altLang="en-US" smtClean="0"/>
               <a:t>‹#›</a:t>
             </a:fld>
@@ -2127,7 +2127,7 @@
     </p:spTree>
     <p:extLst>
       <p:ext uri="{BB962C8B-B14F-4D97-AF65-F5344CB8AC3E}">
-        <p14:creationId xmlns:p14="http://schemas.microsoft.com/office/powerpoint/2010/main" val="2599139682"/>
+        <p14:creationId xmlns:p14="http://schemas.microsoft.com/office/powerpoint/2010/main" val="1388963332"/>
       </p:ext>
     </p:extLst>
   </p:cSld>
@@ -2159,7 +2159,7 @@
           <p:cNvPr id="2" name="标题 1">
             <a:extLst>
               <a:ext uri="{FF2B5EF4-FFF2-40B4-BE49-F238E27FC236}">
-                <a16:creationId xmlns:a16="http://schemas.microsoft.com/office/drawing/2014/main" id="{DA4E1F07-C5DD-5FB5-E36D-E0F5C557656B}"/>
+                <a16:creationId xmlns:a16="http://schemas.microsoft.com/office/drawing/2014/main" id="{3FC5428B-AE3B-1098-BCAD-A21F48607ED3}"/>
               </a:ext>
             </a:extLst>
           </p:cNvPr>
@@ -2196,7 +2196,7 @@
           <p:cNvPr id="3" name="内容占位符 2">
             <a:extLst>
               <a:ext uri="{FF2B5EF4-FFF2-40B4-BE49-F238E27FC236}">
-                <a16:creationId xmlns:a16="http://schemas.microsoft.com/office/drawing/2014/main" id="{BE2381A8-78A5-970A-64EF-81601CB54B22}"/>
+                <a16:creationId xmlns:a16="http://schemas.microsoft.com/office/drawing/2014/main" id="{03D59340-FC70-89E9-1FD1-6DFB189EBB99}"/>
               </a:ext>
             </a:extLst>
           </p:cNvPr>
@@ -2286,7 +2286,7 @@
           <p:cNvPr id="4" name="文本占位符 3">
             <a:extLst>
               <a:ext uri="{FF2B5EF4-FFF2-40B4-BE49-F238E27FC236}">
-                <a16:creationId xmlns:a16="http://schemas.microsoft.com/office/drawing/2014/main" id="{4BEDB892-191F-BECF-603A-1ADEAADC8336}"/>
+                <a16:creationId xmlns:a16="http://schemas.microsoft.com/office/drawing/2014/main" id="{195007E9-631D-4766-6C8C-E341ADCD0F91}"/>
               </a:ext>
             </a:extLst>
           </p:cNvPr>
@@ -2357,7 +2357,7 @@
           <p:cNvPr id="5" name="日期占位符 4">
             <a:extLst>
               <a:ext uri="{FF2B5EF4-FFF2-40B4-BE49-F238E27FC236}">
-                <a16:creationId xmlns:a16="http://schemas.microsoft.com/office/drawing/2014/main" id="{47A10F54-D19F-C878-7A40-28430AB45037}"/>
+                <a16:creationId xmlns:a16="http://schemas.microsoft.com/office/drawing/2014/main" id="{5E6C0CDE-BA53-50AE-2512-074BDEC7271A}"/>
               </a:ext>
             </a:extLst>
           </p:cNvPr>
@@ -2373,7 +2373,7 @@
           <a:bodyPr/>
           <a:lstStyle/>
           <a:p>
-            <a:fld id="{1161CC8C-425C-4AC4-BB93-504A703B76B4}" type="datetimeFigureOut">
+            <a:fld id="{2F4C3696-5075-49E4-9ED5-EDE5165D0D06}" type="datetimeFigureOut">
               <a:rPr lang="zh-CN" altLang="en-US" smtClean="0"/>
               <a:t>2024/3/10</a:t>
             </a:fld>
@@ -2386,7 +2386,7 @@
           <p:cNvPr id="6" name="页脚占位符 5">
             <a:extLst>
               <a:ext uri="{FF2B5EF4-FFF2-40B4-BE49-F238E27FC236}">
-                <a16:creationId xmlns:a16="http://schemas.microsoft.com/office/drawing/2014/main" id="{A5BEA7CA-FD94-E91E-67E7-E056604A6D75}"/>
+                <a16:creationId xmlns:a16="http://schemas.microsoft.com/office/drawing/2014/main" id="{25B0F69A-8702-9927-DE37-D33BCEBFA6B8}"/>
               </a:ext>
             </a:extLst>
           </p:cNvPr>
@@ -2411,7 +2411,7 @@
           <p:cNvPr id="7" name="灯片编号占位符 6">
             <a:extLst>
               <a:ext uri="{FF2B5EF4-FFF2-40B4-BE49-F238E27FC236}">
-                <a16:creationId xmlns:a16="http://schemas.microsoft.com/office/drawing/2014/main" id="{160CFE6E-65C4-5E4B-05EB-52FD144C42B6}"/>
+                <a16:creationId xmlns:a16="http://schemas.microsoft.com/office/drawing/2014/main" id="{2BDEFDC7-1BC3-B8BD-B9CB-230842722DD6}"/>
               </a:ext>
             </a:extLst>
           </p:cNvPr>
@@ -2427,7 +2427,7 @@
           <a:bodyPr/>
           <a:lstStyle/>
           <a:p>
-            <a:fld id="{7C854C95-99C6-4422-A834-FE378DBB92A4}" type="slidenum">
+            <a:fld id="{8568CD4A-59E1-4CD6-8748-193C55A314BB}" type="slidenum">
               <a:rPr lang="zh-CN" altLang="en-US" smtClean="0"/>
               <a:t>‹#›</a:t>
             </a:fld>
@@ -2438,7 +2438,7 @@
     </p:spTree>
     <p:extLst>
       <p:ext uri="{BB962C8B-B14F-4D97-AF65-F5344CB8AC3E}">
-        <p14:creationId xmlns:p14="http://schemas.microsoft.com/office/powerpoint/2010/main" val="3469487761"/>
+        <p14:creationId xmlns:p14="http://schemas.microsoft.com/office/powerpoint/2010/main" val="1656092966"/>
       </p:ext>
     </p:extLst>
   </p:cSld>
@@ -2470,7 +2470,7 @@
           <p:cNvPr id="2" name="标题 1">
             <a:extLst>
               <a:ext uri="{FF2B5EF4-FFF2-40B4-BE49-F238E27FC236}">
-                <a16:creationId xmlns:a16="http://schemas.microsoft.com/office/drawing/2014/main" id="{3CFC649A-1BFF-E6F6-3FF8-485D98066D23}"/>
+                <a16:creationId xmlns:a16="http://schemas.microsoft.com/office/drawing/2014/main" id="{FF67FB74-9D7B-D8E4-0F83-52A139E58EF6}"/>
               </a:ext>
             </a:extLst>
           </p:cNvPr>
@@ -2507,7 +2507,7 @@
           <p:cNvPr id="3" name="图片占位符 2">
             <a:extLst>
               <a:ext uri="{FF2B5EF4-FFF2-40B4-BE49-F238E27FC236}">
-                <a16:creationId xmlns:a16="http://schemas.microsoft.com/office/drawing/2014/main" id="{B1F631EA-FAC7-D060-92F5-55C5B28FC4AF}"/>
+                <a16:creationId xmlns:a16="http://schemas.microsoft.com/office/drawing/2014/main" id="{275DAFFF-072D-BF6C-B6EC-58EAB511B347}"/>
               </a:ext>
             </a:extLst>
           </p:cNvPr>
@@ -2574,7 +2574,7 @@
           <p:cNvPr id="4" name="文本占位符 3">
             <a:extLst>
               <a:ext uri="{FF2B5EF4-FFF2-40B4-BE49-F238E27FC236}">
-                <a16:creationId xmlns:a16="http://schemas.microsoft.com/office/drawing/2014/main" id="{8D7CE8A8-4D27-9E1B-1D9B-7E0665D34AB1}"/>
+                <a16:creationId xmlns:a16="http://schemas.microsoft.com/office/drawing/2014/main" id="{694711D2-368A-BEEF-EC62-2E23FB8B3403}"/>
               </a:ext>
             </a:extLst>
           </p:cNvPr>
@@ -2645,7 +2645,7 @@
           <p:cNvPr id="5" name="日期占位符 4">
             <a:extLst>
               <a:ext uri="{FF2B5EF4-FFF2-40B4-BE49-F238E27FC236}">
-                <a16:creationId xmlns:a16="http://schemas.microsoft.com/office/drawing/2014/main" id="{A2765202-0074-ED40-335F-C2EE93FE4BF8}"/>
+                <a16:creationId xmlns:a16="http://schemas.microsoft.com/office/drawing/2014/main" id="{9749033C-8865-E300-69AF-B421371549E1}"/>
               </a:ext>
             </a:extLst>
           </p:cNvPr>
@@ -2661,7 +2661,7 @@
           <a:bodyPr/>
           <a:lstStyle/>
           <a:p>
-            <a:fld id="{1161CC8C-425C-4AC4-BB93-504A703B76B4}" type="datetimeFigureOut">
+            <a:fld id="{2F4C3696-5075-49E4-9ED5-EDE5165D0D06}" type="datetimeFigureOut">
               <a:rPr lang="zh-CN" altLang="en-US" smtClean="0"/>
               <a:t>2024/3/10</a:t>
             </a:fld>
@@ -2674,7 +2674,7 @@
           <p:cNvPr id="6" name="页脚占位符 5">
             <a:extLst>
               <a:ext uri="{FF2B5EF4-FFF2-40B4-BE49-F238E27FC236}">
-                <a16:creationId xmlns:a16="http://schemas.microsoft.com/office/drawing/2014/main" id="{46B5196F-DC03-84E2-9ECD-404C0C1ADD26}"/>
+                <a16:creationId xmlns:a16="http://schemas.microsoft.com/office/drawing/2014/main" id="{C5FEB4A7-DC99-DB85-4904-415FDC467A10}"/>
               </a:ext>
             </a:extLst>
           </p:cNvPr>
@@ -2699,7 +2699,7 @@
           <p:cNvPr id="7" name="灯片编号占位符 6">
             <a:extLst>
               <a:ext uri="{FF2B5EF4-FFF2-40B4-BE49-F238E27FC236}">
-                <a16:creationId xmlns:a16="http://schemas.microsoft.com/office/drawing/2014/main" id="{30D365E5-AAC8-CD9C-EF09-EFE7B66A44C6}"/>
+                <a16:creationId xmlns:a16="http://schemas.microsoft.com/office/drawing/2014/main" id="{84BD170B-B52C-C704-4BF3-6A9BCA11B4E5}"/>
               </a:ext>
             </a:extLst>
           </p:cNvPr>
@@ -2715,7 +2715,7 @@
           <a:bodyPr/>
           <a:lstStyle/>
           <a:p>
-            <a:fld id="{7C854C95-99C6-4422-A834-FE378DBB92A4}" type="slidenum">
+            <a:fld id="{8568CD4A-59E1-4CD6-8748-193C55A314BB}" type="slidenum">
               <a:rPr lang="zh-CN" altLang="en-US" smtClean="0"/>
               <a:t>‹#›</a:t>
             </a:fld>
@@ -2726,7 +2726,7 @@
     </p:spTree>
     <p:extLst>
       <p:ext uri="{BB962C8B-B14F-4D97-AF65-F5344CB8AC3E}">
-        <p14:creationId xmlns:p14="http://schemas.microsoft.com/office/powerpoint/2010/main" val="1743669593"/>
+        <p14:creationId xmlns:p14="http://schemas.microsoft.com/office/powerpoint/2010/main" val="2301014056"/>
       </p:ext>
     </p:extLst>
   </p:cSld>
@@ -2763,7 +2763,7 @@
           <p:cNvPr id="2" name="标题占位符 1">
             <a:extLst>
               <a:ext uri="{FF2B5EF4-FFF2-40B4-BE49-F238E27FC236}">
-                <a16:creationId xmlns:a16="http://schemas.microsoft.com/office/drawing/2014/main" id="{7EBAC997-3CCD-11D3-CAA9-AB4C603C1BD5}"/>
+                <a16:creationId xmlns:a16="http://schemas.microsoft.com/office/drawing/2014/main" id="{F0CE1EDF-B958-DD42-0456-1A08A1530116}"/>
               </a:ext>
             </a:extLst>
           </p:cNvPr>
@@ -2801,7 +2801,7 @@
           <p:cNvPr id="3" name="文本占位符 2">
             <a:extLst>
               <a:ext uri="{FF2B5EF4-FFF2-40B4-BE49-F238E27FC236}">
-                <a16:creationId xmlns:a16="http://schemas.microsoft.com/office/drawing/2014/main" id="{6F01A120-3DEB-7933-4FD7-134A632FF571}"/>
+                <a16:creationId xmlns:a16="http://schemas.microsoft.com/office/drawing/2014/main" id="{115696B9-6BCE-BE8F-1F5E-73A8C451C875}"/>
               </a:ext>
             </a:extLst>
           </p:cNvPr>
@@ -2868,7 +2868,7 @@
           <p:cNvPr id="4" name="日期占位符 3">
             <a:extLst>
               <a:ext uri="{FF2B5EF4-FFF2-40B4-BE49-F238E27FC236}">
-                <a16:creationId xmlns:a16="http://schemas.microsoft.com/office/drawing/2014/main" id="{E72DA34B-1A87-BB6C-6B48-E8C5AEB36ECA}"/>
+                <a16:creationId xmlns:a16="http://schemas.microsoft.com/office/drawing/2014/main" id="{A930CB4F-D0F7-D5B5-956F-1A0CB1630716}"/>
               </a:ext>
             </a:extLst>
           </p:cNvPr>
@@ -2902,7 +2902,7 @@
             </a:lvl1pPr>
           </a:lstStyle>
           <a:p>
-            <a:fld id="{1161CC8C-425C-4AC4-BB93-504A703B76B4}" type="datetimeFigureOut">
+            <a:fld id="{2F4C3696-5075-49E4-9ED5-EDE5165D0D06}" type="datetimeFigureOut">
               <a:rPr lang="zh-CN" altLang="en-US" smtClean="0"/>
               <a:t>2024/3/10</a:t>
             </a:fld>
@@ -2915,7 +2915,7 @@
           <p:cNvPr id="5" name="页脚占位符 4">
             <a:extLst>
               <a:ext uri="{FF2B5EF4-FFF2-40B4-BE49-F238E27FC236}">
-                <a16:creationId xmlns:a16="http://schemas.microsoft.com/office/drawing/2014/main" id="{D076FA05-493A-E68A-23F1-05497CA7EB8E}"/>
+                <a16:creationId xmlns:a16="http://schemas.microsoft.com/office/drawing/2014/main" id="{25603651-CF32-C6ED-7666-7DDDDE809C05}"/>
               </a:ext>
             </a:extLst>
           </p:cNvPr>
@@ -2958,7 +2958,7 @@
           <p:cNvPr id="6" name="灯片编号占位符 5">
             <a:extLst>
               <a:ext uri="{FF2B5EF4-FFF2-40B4-BE49-F238E27FC236}">
-                <a16:creationId xmlns:a16="http://schemas.microsoft.com/office/drawing/2014/main" id="{0CA22CCF-B3EE-E70D-04A6-291FC09C9574}"/>
+                <a16:creationId xmlns:a16="http://schemas.microsoft.com/office/drawing/2014/main" id="{957283A5-E9AF-B74E-5941-0A16D3ECA91A}"/>
               </a:ext>
             </a:extLst>
           </p:cNvPr>
@@ -2992,7 +2992,7 @@
             </a:lvl1pPr>
           </a:lstStyle>
           <a:p>
-            <a:fld id="{7C854C95-99C6-4422-A834-FE378DBB92A4}" type="slidenum">
+            <a:fld id="{8568CD4A-59E1-4CD6-8748-193C55A314BB}" type="slidenum">
               <a:rPr lang="zh-CN" altLang="en-US" smtClean="0"/>
               <a:t>‹#›</a:t>
             </a:fld>
@@ -3003,7 +3003,7 @@
     </p:spTree>
     <p:extLst>
       <p:ext uri="{BB962C8B-B14F-4D97-AF65-F5344CB8AC3E}">
-        <p14:creationId xmlns:p14="http://schemas.microsoft.com/office/powerpoint/2010/main" val="721729942"/>
+        <p14:creationId xmlns:p14="http://schemas.microsoft.com/office/powerpoint/2010/main" val="235032075"/>
       </p:ext>
     </p:extLst>
   </p:cSld>
@@ -3323,7 +3323,7 @@
       </p:grpSpPr>
       <p:pic>
         <p:nvPicPr>
-          <p:cNvPr id="1185794" name="Picture 2" descr="1157"/>
+          <p:cNvPr id="1186818" name="Picture 2" descr="1158"/>
           <p:cNvPicPr>
             <a:picLocks noChangeAspect="1" noChangeArrowheads="1"/>
           </p:cNvPicPr>
@@ -3344,8 +3344,8 @@
         </p:blipFill>
         <p:spPr bwMode="auto">
           <a:xfrm>
-            <a:off x="1524000" y="0"/>
-            <a:ext cx="9144000" cy="6858000"/>
+            <a:off x="1524000" y="1"/>
+            <a:ext cx="9124950" cy="6843713"/>
           </a:xfrm>
           <a:prstGeom prst="rect">
             <a:avLst/>
